--- a/Project Components/Roiger NEON Intern Poster v.2.pptx
+++ b/Project Components/Roiger NEON Intern Poster v.2.pptx
@@ -3026,7 +3026,7 @@
         </p:nvSpPr>
         <p:spPr>
           <a:xfrm>
-            <a:off x="32996148" y="25084637"/>
+            <a:off x="32984957" y="24454692"/>
             <a:ext cx="10058400" cy="861774"/>
           </a:xfrm>
           <a:prstGeom prst="rect">
@@ -3085,8 +3085,8 @@
         </p:nvSpPr>
         <p:spPr>
           <a:xfrm>
-            <a:off x="32996148" y="25946411"/>
-            <a:ext cx="10058400" cy="3591650"/>
+            <a:off x="32984957" y="25302843"/>
+            <a:ext cx="10058400" cy="4296637"/>
           </a:xfrm>
           <a:prstGeom prst="rect">
             <a:avLst/>
@@ -3266,8 +3266,60 @@
             </a:r>
             <a:r>
               <a:rPr lang="en-US" sz="1700" dirty="0"/>
-              <a:t>, FL.</a:t>
-            </a:r>
+              <a:t>, FL</a:t>
+            </a:r>
+            <a:r>
+              <a:rPr lang="en-US" sz="1700" dirty="0" smtClean="0"/>
+              <a:t>.</a:t>
+            </a:r>
+          </a:p>
+          <a:p>
+            <a:pPr marL="342900" indent="-342900">
+              <a:buAutoNum type="arabicParenR"/>
+            </a:pPr>
+            <a:r>
+              <a:rPr lang="en-US" sz="1700" dirty="0" err="1"/>
+              <a:t>Hongoh</a:t>
+            </a:r>
+            <a:r>
+              <a:rPr lang="en-US" sz="1700" dirty="0"/>
+              <a:t>, V., L. </a:t>
+            </a:r>
+            <a:r>
+              <a:rPr lang="en-US" sz="1700" dirty="0" err="1"/>
+              <a:t>Berrang</a:t>
+            </a:r>
+            <a:r>
+              <a:rPr lang="en-US" sz="1700" dirty="0"/>
+              <a:t>-Ford, M. E. Scott, and L. R. Lindsay. 2012. Expanding geographical distribution of the mosquito, </a:t>
+            </a:r>
+            <a:r>
+              <a:rPr lang="en-US" sz="1700" dirty="0" err="1"/>
+              <a:t>Culex</a:t>
+            </a:r>
+            <a:r>
+              <a:rPr lang="en-US" sz="1700" dirty="0"/>
+              <a:t> </a:t>
+            </a:r>
+            <a:r>
+              <a:rPr lang="en-US" sz="1700" dirty="0" err="1"/>
+              <a:t>pipiens</a:t>
+            </a:r>
+            <a:r>
+              <a:rPr lang="en-US" sz="1700" dirty="0"/>
+              <a:t>, in Canada under climate change. Applied Geography 33:53–62.</a:t>
+            </a:r>
+          </a:p>
+          <a:p>
+            <a:pPr marL="342900" indent="-342900">
+              <a:buAutoNum type="arabicParenR"/>
+            </a:pPr>
+            <a:endParaRPr lang="en-US" sz="1700" dirty="0"/>
+          </a:p>
+          <a:p>
+            <a:pPr marL="342900" indent="-342900">
+              <a:buAutoNum type="arabicParenR"/>
+            </a:pPr>
             <a:endParaRPr lang="en-US" sz="1700" dirty="0" smtClean="0"/>
           </a:p>
           <a:p>
@@ -3292,8 +3344,8 @@
         </p:nvGrpSpPr>
         <p:grpSpPr>
           <a:xfrm>
-            <a:off x="32996148" y="22218932"/>
-            <a:ext cx="10058400" cy="2590185"/>
+            <a:off x="32980982" y="21853652"/>
+            <a:ext cx="10058400" cy="2355568"/>
             <a:chOff x="32972239" y="26402313"/>
             <a:chExt cx="9981897" cy="2590185"/>
           </a:xfrm>
@@ -3557,7 +3609,7 @@
         </p:nvGrpSpPr>
         <p:grpSpPr>
           <a:xfrm>
-            <a:off x="33050271" y="14243348"/>
+            <a:off x="32984957" y="14243348"/>
             <a:ext cx="10058400" cy="7381333"/>
             <a:chOff x="32972239" y="6402576"/>
             <a:chExt cx="10058400" cy="7381333"/>
@@ -3795,7 +3847,11 @@
             <a:p>
               <a:r>
                 <a:rPr lang="en-US" sz="1800" b="1" dirty="0" smtClean="0"/>
-                <a:t>Figure 3. </a:t>
+                <a:t>Figure </a:t>
+              </a:r>
+              <a:r>
+                <a:rPr lang="en-US" sz="1800" b="1" dirty="0" smtClean="0"/>
+                <a:t>4. </a:t>
               </a:r>
               <a:r>
                 <a:rPr lang="en-US" sz="1800" i="1" dirty="0" err="1" smtClean="0"/>
@@ -3846,7 +3902,7 @@
         </p:nvGrpSpPr>
         <p:grpSpPr>
           <a:xfrm>
-            <a:off x="33050271" y="6380287"/>
+            <a:off x="32984957" y="6380287"/>
             <a:ext cx="10087082" cy="7453940"/>
             <a:chOff x="32943557" y="14243348"/>
             <a:chExt cx="10087082" cy="7453940"/>
@@ -4299,7 +4355,7 @@
         </p:nvSpPr>
         <p:spPr>
           <a:xfrm>
-            <a:off x="19583492" y="12925030"/>
+            <a:off x="19920374" y="12925030"/>
             <a:ext cx="228600" cy="246221"/>
           </a:xfrm>
           <a:prstGeom prst="ellipse">
@@ -4345,7 +4401,7 @@
         </p:nvSpPr>
         <p:spPr>
           <a:xfrm>
-            <a:off x="19889498" y="12853026"/>
+            <a:off x="20323638" y="12831400"/>
             <a:ext cx="1021439" cy="369332"/>
           </a:xfrm>
           <a:prstGeom prst="rect">
@@ -4560,7 +4616,7 @@
         <p:grpSpPr>
           <a:xfrm>
             <a:off x="11861847" y="15737159"/>
-            <a:ext cx="12332556" cy="6431753"/>
+            <a:ext cx="12332556" cy="6208441"/>
             <a:chOff x="11841894" y="22924827"/>
             <a:chExt cx="12332556" cy="6431753"/>
           </a:xfrm>
@@ -4828,8 +4884,8 @@
         </p:nvGrpSpPr>
         <p:grpSpPr>
           <a:xfrm>
-            <a:off x="11861847" y="22601720"/>
-            <a:ext cx="12332556" cy="6689382"/>
+            <a:off x="11864890" y="22692361"/>
+            <a:ext cx="12332556" cy="6206253"/>
             <a:chOff x="11841894" y="15895840"/>
             <a:chExt cx="12332556" cy="6689382"/>
           </a:xfrm>
@@ -5086,8 +5142,8 @@
         </p:nvSpPr>
         <p:spPr>
           <a:xfrm>
-            <a:off x="24554997" y="15732541"/>
-            <a:ext cx="7418364" cy="12234118"/>
+            <a:off x="24553476" y="15737159"/>
+            <a:ext cx="7418364" cy="13619113"/>
           </a:xfrm>
           <a:prstGeom prst="rect">
             <a:avLst/>
@@ -5108,10 +5164,10 @@
                 <a:latin typeface="Arial"/>
                 <a:cs typeface="Arial"/>
               </a:rPr>
-              <a:t>Range of </a:t>
-            </a:r>
-            <a:r>
-              <a:rPr lang="en-US" sz="4800" b="1" dirty="0" err="1" smtClean="0">
+              <a:t>NEON mosquito data indicates that the range of </a:t>
+            </a:r>
+            <a:r>
+              <a:rPr lang="en-US" sz="4800" b="1" i="1" dirty="0" err="1" smtClean="0">
                 <a:solidFill>
                   <a:schemeClr val="accent2"/>
                 </a:solidFill>
@@ -5119,6 +5175,36 @@
                 <a:cs typeface="Arial"/>
               </a:rPr>
               <a:t>Culex</a:t>
+            </a:r>
+            <a:r>
+              <a:rPr lang="en-US" sz="4800" b="1" i="1" dirty="0" smtClean="0">
+                <a:solidFill>
+                  <a:schemeClr val="accent2"/>
+                </a:solidFill>
+                <a:latin typeface="Arial"/>
+                <a:cs typeface="Arial"/>
+              </a:rPr>
+              <a:t> </a:t>
+            </a:r>
+            <a:r>
+              <a:rPr lang="en-US" sz="4800" b="1" i="1" dirty="0" err="1" smtClean="0">
+                <a:solidFill>
+                  <a:schemeClr val="accent2"/>
+                </a:solidFill>
+                <a:latin typeface="Arial"/>
+                <a:cs typeface="Arial"/>
+              </a:rPr>
+              <a:t>tarslais</a:t>
+            </a:r>
+            <a:r>
+              <a:rPr lang="en-US" sz="4800" b="1" i="1" dirty="0" smtClean="0">
+                <a:solidFill>
+                  <a:schemeClr val="accent2"/>
+                </a:solidFill>
+                <a:latin typeface="Arial"/>
+                <a:cs typeface="Arial"/>
+              </a:rPr>
+              <a:t> </a:t>
             </a:r>
             <a:r>
               <a:rPr lang="en-US" sz="4800" b="1" dirty="0" smtClean="0">
@@ -5128,37 +5214,7 @@
                 <a:latin typeface="Arial"/>
                 <a:cs typeface="Arial"/>
               </a:rPr>
-              <a:t> </a:t>
-            </a:r>
-            <a:r>
-              <a:rPr lang="en-US" sz="4800" b="1" dirty="0" err="1" smtClean="0">
-                <a:solidFill>
-                  <a:schemeClr val="accent2"/>
-                </a:solidFill>
-                <a:latin typeface="Arial"/>
-                <a:cs typeface="Arial"/>
-              </a:rPr>
-              <a:t>tarsalis</a:t>
-            </a:r>
-            <a:r>
-              <a:rPr lang="en-US" sz="4800" b="1" dirty="0" smtClean="0">
-                <a:solidFill>
-                  <a:schemeClr val="accent2"/>
-                </a:solidFill>
-                <a:latin typeface="Arial"/>
-                <a:cs typeface="Arial"/>
-              </a:rPr>
-              <a:t> has </a:t>
-            </a:r>
-            <a:r>
-              <a:rPr lang="en-US" sz="4800" b="1" smtClean="0">
-                <a:solidFill>
-                  <a:schemeClr val="accent2"/>
-                </a:solidFill>
-                <a:latin typeface="Arial"/>
-                <a:cs typeface="Arial"/>
-              </a:rPr>
-              <a:t>expanded :</a:t>
+              <a:t>has expanded:</a:t>
             </a:r>
             <a:endParaRPr lang="en-US" sz="4800" b="1" dirty="0" smtClean="0">
               <a:solidFill>
@@ -5169,7 +5225,7 @@
             </a:endParaRPr>
           </a:p>
           <a:p>
-            <a:pPr marL="863600" indent="-863600">
+            <a:pPr marL="457200" indent="-457200">
               <a:spcBef>
                 <a:spcPts val="3000"/>
               </a:spcBef>
@@ -5177,15 +5233,50 @@
               <a:buChar char="•"/>
             </a:pPr>
             <a:r>
-              <a:rPr lang="en-US" sz="5400" dirty="0" smtClean="0">
-                <a:latin typeface="Arial"/>
-                <a:cs typeface="Arial"/>
-              </a:rPr>
-              <a:t>Bullet 1</a:t>
-            </a:r>
-          </a:p>
-          <a:p>
-            <a:pPr marL="863600" indent="-863600">
+              <a:rPr lang="en-US" sz="3400" dirty="0" smtClean="0">
+                <a:latin typeface="Arial"/>
+                <a:cs typeface="Arial"/>
+              </a:rPr>
+              <a:t>Climate change will likely make more habitats suitable for </a:t>
+            </a:r>
+            <a:r>
+              <a:rPr lang="en-US" sz="3400" i="1" dirty="0" err="1" smtClean="0">
+                <a:latin typeface="Arial"/>
+                <a:cs typeface="Arial"/>
+              </a:rPr>
+              <a:t>Culex</a:t>
+            </a:r>
+            <a:r>
+              <a:rPr lang="en-US" sz="3400" i="1" dirty="0" smtClean="0">
+                <a:latin typeface="Arial"/>
+                <a:cs typeface="Arial"/>
+              </a:rPr>
+              <a:t> </a:t>
+            </a:r>
+            <a:r>
+              <a:rPr lang="en-US" sz="3400" i="1" dirty="0" err="1">
+                <a:latin typeface="Arial"/>
+                <a:cs typeface="Arial"/>
+              </a:rPr>
+              <a:t>t</a:t>
+            </a:r>
+            <a:r>
+              <a:rPr lang="en-US" sz="3400" i="1" dirty="0" err="1" smtClean="0">
+                <a:latin typeface="Arial"/>
+                <a:cs typeface="Arial"/>
+              </a:rPr>
+              <a:t>arsalis</a:t>
+            </a:r>
+            <a:r>
+              <a:rPr lang="en-US" sz="3400" dirty="0" smtClean="0">
+                <a:latin typeface="Arial"/>
+                <a:cs typeface="Arial"/>
+              </a:rPr>
+              <a:t> now and in the future</a:t>
+            </a:r>
+          </a:p>
+          <a:p>
+            <a:pPr marL="457200" indent="-457200">
               <a:spcBef>
                 <a:spcPts val="3000"/>
               </a:spcBef>
@@ -5193,15 +5284,78 @@
               <a:buChar char="•"/>
             </a:pPr>
             <a:r>
-              <a:rPr lang="en-US" sz="5400" dirty="0" smtClean="0">
-                <a:latin typeface="Arial"/>
-                <a:cs typeface="Arial"/>
-              </a:rPr>
-              <a:t>Bullet 2</a:t>
-            </a:r>
-          </a:p>
-          <a:p>
-            <a:pPr marL="863600" indent="-863600">
+              <a:rPr lang="en-US" sz="3400" dirty="0" smtClean="0">
+                <a:latin typeface="Arial"/>
+                <a:cs typeface="Arial"/>
+              </a:rPr>
+              <a:t>A comparison of the established range of </a:t>
+            </a:r>
+            <a:r>
+              <a:rPr lang="en-US" sz="3400" i="1" dirty="0" err="1" smtClean="0">
+                <a:latin typeface="Arial"/>
+                <a:cs typeface="Arial"/>
+              </a:rPr>
+              <a:t>Culex</a:t>
+            </a:r>
+            <a:r>
+              <a:rPr lang="en-US" sz="3400" i="1" dirty="0" smtClean="0">
+                <a:latin typeface="Arial"/>
+                <a:cs typeface="Arial"/>
+              </a:rPr>
+              <a:t> </a:t>
+            </a:r>
+            <a:r>
+              <a:rPr lang="en-US" sz="3400" i="1" dirty="0" err="1" smtClean="0">
+                <a:latin typeface="Arial"/>
+                <a:cs typeface="Arial"/>
+              </a:rPr>
+              <a:t>tarsalis</a:t>
+            </a:r>
+            <a:r>
+              <a:rPr lang="en-US" sz="3400" dirty="0" smtClean="0">
+                <a:latin typeface="Arial"/>
+                <a:cs typeface="Arial"/>
+              </a:rPr>
+              <a:t> (top) to NEON site where </a:t>
+            </a:r>
+            <a:r>
+              <a:rPr lang="en-US" sz="3400" i="1" dirty="0" err="1" smtClean="0">
+                <a:latin typeface="Arial"/>
+                <a:cs typeface="Arial"/>
+              </a:rPr>
+              <a:t>Culex</a:t>
+            </a:r>
+            <a:r>
+              <a:rPr lang="en-US" sz="3400" i="1" dirty="0" smtClean="0">
+                <a:latin typeface="Arial"/>
+                <a:cs typeface="Arial"/>
+              </a:rPr>
+              <a:t> </a:t>
+            </a:r>
+            <a:r>
+              <a:rPr lang="en-US" sz="3400" i="1" dirty="0" err="1" smtClean="0">
+                <a:latin typeface="Arial"/>
+                <a:cs typeface="Arial"/>
+              </a:rPr>
+              <a:t>tarsalis</a:t>
+            </a:r>
+            <a:r>
+              <a:rPr lang="en-US" sz="3400" i="1" dirty="0" smtClean="0">
+                <a:latin typeface="Arial"/>
+                <a:cs typeface="Arial"/>
+              </a:rPr>
+              <a:t> </a:t>
+            </a:r>
+            <a:r>
+              <a:rPr lang="en-US" sz="3400" dirty="0" smtClean="0">
+                <a:latin typeface="Arial"/>
+                <a:cs typeface="Arial"/>
+              </a:rPr>
+              <a:t>was present (bottom) reveal that this species has been found in habitats further north from its typical range.</a:t>
+            </a:r>
+          </a:p>
+          <a:p>
+            <a:pPr marL="457200" indent="-457200">
               <a:spcBef>
                 <a:spcPts val="3000"/>
               </a:spcBef>
@@ -5209,67 +5363,189 @@
               <a:buChar char="•"/>
             </a:pPr>
             <a:r>
-              <a:rPr lang="en-US" sz="5400" dirty="0" smtClean="0">
-                <a:latin typeface="Arial"/>
-                <a:cs typeface="Arial"/>
-              </a:rPr>
-              <a:t>Bullet 3</a:t>
-            </a:r>
-          </a:p>
-          <a:p>
-            <a:pPr marL="863600" indent="-863600">
-              <a:buFont typeface="Arial"/>
-              <a:buChar char="•"/>
-            </a:pPr>
+              <a:rPr lang="en-US" sz="3400" dirty="0">
+                <a:latin typeface="Arial"/>
+                <a:cs typeface="Arial"/>
+              </a:rPr>
+              <a:t>R</a:t>
+            </a:r>
+            <a:r>
+              <a:rPr lang="en-US" sz="3400" dirty="0" smtClean="0">
+                <a:latin typeface="Arial"/>
+                <a:cs typeface="Arial"/>
+              </a:rPr>
+              <a:t>ange expansion in response to environmental changes will likely become more commonplace and “climate change may broaden the range of some mosquito-borne pathogens and as a result expose new human populations to these disease-causing agents”</a:t>
+            </a:r>
+            <a:r>
+              <a:rPr lang="en-US" sz="3400" baseline="30000" dirty="0" smtClean="0">
+                <a:latin typeface="Arial"/>
+                <a:cs typeface="Arial"/>
+              </a:rPr>
+              <a:t>5</a:t>
+            </a:r>
+            <a:r>
+              <a:rPr lang="en-US" sz="3200" dirty="0" smtClean="0">
+                <a:latin typeface="Arial"/>
+                <a:cs typeface="Arial"/>
+              </a:rPr>
+              <a:t>. </a:t>
+            </a:r>
             <a:endParaRPr lang="en-US" sz="6000" dirty="0" smtClean="0">
               <a:latin typeface="Arial"/>
               <a:cs typeface="Arial"/>
             </a:endParaRPr>
           </a:p>
-          <a:p>
-            <a:pPr marL="101600" indent="-101600"/>
-            <a:r>
-              <a:rPr lang="en-US" sz="4400" dirty="0" smtClean="0">
-                <a:latin typeface="Arial"/>
-                <a:cs typeface="Arial"/>
-              </a:rPr>
-              <a:t>LAYOUT NOTES:</a:t>
-            </a:r>
-          </a:p>
-          <a:p>
-            <a:pPr marL="101600" indent="-101600"/>
-            <a:endParaRPr lang="en-US" sz="4400" dirty="0" smtClean="0">
-              <a:latin typeface="Arial"/>
-              <a:cs typeface="Arial"/>
-            </a:endParaRPr>
-          </a:p>
-          <a:p>
-            <a:r>
-              <a:rPr lang="en-US" sz="4400" dirty="0" smtClean="0">
-                <a:latin typeface="Arial"/>
-                <a:cs typeface="Arial"/>
-              </a:rPr>
-              <a:t>Don’t forget to use the Paragraph pallet to manage line spacing</a:t>
-            </a:r>
-          </a:p>
-          <a:p>
-            <a:endParaRPr lang="en-US" sz="4400" dirty="0" smtClean="0">
-              <a:latin typeface="Arial"/>
-              <a:cs typeface="Arial"/>
-            </a:endParaRPr>
-          </a:p>
-          <a:p>
-            <a:r>
-              <a:rPr lang="en-US" sz="4400" dirty="0" smtClean="0">
-                <a:latin typeface="Arial"/>
-                <a:cs typeface="Arial"/>
-              </a:rPr>
-              <a:t>And turn on your rulers to adjust your indents for the bullet text…</a:t>
-            </a:r>
-            <a:endParaRPr lang="en-US" sz="4400" dirty="0">
-              <a:latin typeface="Arial"/>
-              <a:cs typeface="Arial"/>
-            </a:endParaRPr>
+        </p:txBody>
+      </p:sp>
+      <p:sp>
+        <p:nvSpPr>
+          <p:cNvPr id="86" name="TextBox 85"/>
+          <p:cNvSpPr txBox="1"/>
+          <p:nvPr/>
+        </p:nvSpPr>
+        <p:spPr>
+          <a:xfrm>
+            <a:off x="11861847" y="21962405"/>
+            <a:ext cx="12329513" cy="646331"/>
+          </a:xfrm>
+          <a:prstGeom prst="rect">
+            <a:avLst/>
+          </a:prstGeom>
+          <a:noFill/>
+        </p:spPr>
+        <p:txBody>
+          <a:bodyPr wrap="square" rtlCol="0">
+            <a:spAutoFit/>
+          </a:bodyPr>
+          <a:lstStyle/>
+          <a:p>
+            <a:r>
+              <a:rPr lang="en-US" sz="1800" b="1" dirty="0" smtClean="0"/>
+              <a:t>Figure </a:t>
+            </a:r>
+            <a:r>
+              <a:rPr lang="en-US" sz="1800" b="1" dirty="0" smtClean="0"/>
+              <a:t>5. </a:t>
+            </a:r>
+            <a:r>
+              <a:rPr lang="en-US" sz="1800" dirty="0" smtClean="0"/>
+              <a:t>Map of North America depicting the range of </a:t>
+            </a:r>
+            <a:r>
+              <a:rPr lang="en-US" sz="1800" i="1" dirty="0" err="1" smtClean="0"/>
+              <a:t>Culex</a:t>
+            </a:r>
+            <a:r>
+              <a:rPr lang="en-US" sz="1800" i="1" dirty="0" smtClean="0"/>
+              <a:t> </a:t>
+            </a:r>
+            <a:r>
+              <a:rPr lang="en-US" sz="1800" i="1" dirty="0" err="1" smtClean="0"/>
+              <a:t>tarsalis</a:t>
+            </a:r>
+            <a:r>
+              <a:rPr lang="en-US" sz="1800" i="1" dirty="0" smtClean="0"/>
+              <a:t> </a:t>
+            </a:r>
+            <a:r>
+              <a:rPr lang="en-US" sz="1800" dirty="0"/>
+              <a:t>from Darcie and Ward’s </a:t>
+            </a:r>
+            <a:r>
+              <a:rPr lang="en-US" sz="1800" dirty="0" smtClean="0"/>
+              <a:t>“Identification </a:t>
+            </a:r>
+            <a:r>
+              <a:rPr lang="en-US" sz="1800" dirty="0"/>
+              <a:t>and geographical distribution of the mosquitoes of North America, north of </a:t>
+            </a:r>
+            <a:r>
+              <a:rPr lang="en-US" sz="1800" dirty="0" smtClean="0"/>
+              <a:t>Mexico,” published in 2005</a:t>
+            </a:r>
+            <a:r>
+              <a:rPr lang="en-US" sz="1800" baseline="30000" dirty="0" smtClean="0"/>
+              <a:t>4</a:t>
+            </a:r>
+            <a:r>
+              <a:rPr lang="en-US" sz="1800" dirty="0" smtClean="0"/>
+              <a:t>. </a:t>
+            </a:r>
+            <a:endParaRPr lang="en-US" sz="1800" dirty="0"/>
+          </a:p>
+        </p:txBody>
+      </p:sp>
+      <p:sp>
+        <p:nvSpPr>
+          <p:cNvPr id="87" name="TextBox 86"/>
+          <p:cNvSpPr txBox="1"/>
+          <p:nvPr/>
+        </p:nvSpPr>
+        <p:spPr>
+          <a:xfrm>
+            <a:off x="11861847" y="28935801"/>
+            <a:ext cx="12329513" cy="646331"/>
+          </a:xfrm>
+          <a:prstGeom prst="rect">
+            <a:avLst/>
+          </a:prstGeom>
+          <a:noFill/>
+        </p:spPr>
+        <p:txBody>
+          <a:bodyPr wrap="square" rtlCol="0">
+            <a:spAutoFit/>
+          </a:bodyPr>
+          <a:lstStyle/>
+          <a:p>
+            <a:r>
+              <a:rPr lang="en-US" sz="1800" b="1" dirty="0" smtClean="0"/>
+              <a:t>Figure </a:t>
+            </a:r>
+            <a:r>
+              <a:rPr lang="en-US" sz="1800" b="1" dirty="0"/>
+              <a:t>6</a:t>
+            </a:r>
+            <a:r>
+              <a:rPr lang="en-US" sz="1800" b="1" dirty="0" smtClean="0"/>
+              <a:t>. </a:t>
+            </a:r>
+            <a:r>
+              <a:rPr lang="en-US" sz="1800" dirty="0" smtClean="0"/>
+              <a:t>Map of the United States showing all sites sampled in either 2014 or 2016 and sites where </a:t>
+            </a:r>
+            <a:r>
+              <a:rPr lang="en-US" sz="1800" dirty="0" err="1" smtClean="0"/>
+              <a:t>Culex</a:t>
+            </a:r>
+            <a:r>
+              <a:rPr lang="en-US" sz="1800" dirty="0" smtClean="0"/>
+              <a:t> </a:t>
+            </a:r>
+            <a:r>
+              <a:rPr lang="en-US" sz="1800" dirty="0" err="1" smtClean="0"/>
+              <a:t>tarsalis</a:t>
+            </a:r>
+            <a:r>
+              <a:rPr lang="en-US" sz="1800" dirty="0" smtClean="0"/>
+              <a:t> was present in sampling. </a:t>
+            </a:r>
+            <a:r>
+              <a:rPr lang="en-US" sz="1800" dirty="0" err="1" smtClean="0"/>
+              <a:t>Culex</a:t>
+            </a:r>
+            <a:r>
+              <a:rPr lang="en-US" sz="1800" dirty="0" smtClean="0"/>
+              <a:t> </a:t>
+            </a:r>
+            <a:r>
+              <a:rPr lang="en-US" sz="1800" dirty="0" err="1" smtClean="0"/>
+              <a:t>tarsalis</a:t>
+            </a:r>
+            <a:r>
+              <a:rPr lang="en-US" sz="1800" dirty="0" smtClean="0"/>
+              <a:t> was found to be present in Alaska, outside of its typical range, in 2016. </a:t>
+            </a:r>
+            <a:endParaRPr lang="en-US" sz="1800" dirty="0"/>
           </a:p>
         </p:txBody>
       </p:sp>
@@ -6219,6 +6495,29 @@
 </file>
 
 <file path=customXml/item1.xml><?xml version="1.0" encoding="utf-8"?>
+<p:properties xmlns:p="http://schemas.microsoft.com/office/2006/metadata/properties" xmlns:xsi="http://www.w3.org/2001/XMLSchema-instance" xmlns:pc="http://schemas.microsoft.com/office/infopath/2007/PartnerControls">
+  <documentManagement>
+    <Display_x0020_Category xmlns="eff24bd8-0971-442c-8d07-8938bacad241">Technical Poster Templates</Display_x0020_Category>
+    <Tips xmlns="eff24bd8-0971-442c-8d07-8938bacad241">24x36 (2x3) Horizontal Technical Poster Template
+Contact PMP for design assistance and printing</Tips>
+    <Thumbnail xmlns="eff24bd8-0971-442c-8d07-8938bacad241">
+      <Url>http://my.battelle.org/sites/1204/PublishingImages/24horiz.JPG</Url>
+      <Description xsi:nil="true"/>
+    </Thumbnail>
+  </documentManagement>
+</p:properties>
+</file>
+
+<file path=customXml/item2.xml><?xml version="1.0" encoding="utf-8"?>
+<?mso-contentType ?>
+<FormTemplates xmlns="http://schemas.microsoft.com/sharepoint/v3/contenttype/forms">
+  <Display>DocumentLibraryForm</Display>
+  <Edit>DocumentLibraryForm</Edit>
+  <New>DocumentLibraryForm</New>
+</FormTemplates>
+</file>
+
+<file path=customXml/item3.xml><?xml version="1.0" encoding="utf-8"?>
 <ct:contentTypeSchema xmlns:ct="http://schemas.microsoft.com/office/2006/metadata/contentType" xmlns:ma="http://schemas.microsoft.com/office/2006/metadata/properties/metaAttributes" ct:_="" ma:_="" ma:contentTypeName="Document" ma:contentTypeID="0x010100ED60A9A06E5FED44AC1CDEEE45A76310" ma:contentTypeVersion="4" ma:contentTypeDescription="Create a new document." ma:contentTypeScope="" ma:versionID="074ba561a83d5d4641addf53e66ba534">
   <xsd:schema xmlns:xsd="http://www.w3.org/2001/XMLSchema" xmlns:xs="http://www.w3.org/2001/XMLSchema" xmlns:p="http://schemas.microsoft.com/office/2006/metadata/properties" xmlns:ns1="eff24bd8-0971-442c-8d07-8938bacad241" targetNamespace="http://schemas.microsoft.com/office/2006/metadata/properties" ma:root="true" ma:fieldsID="b1ab2b088810cb506e54576bc1f030ea" ns1:_="">
     <xsd:import namespace="eff24bd8-0971-442c-8d07-8938bacad241"/>
@@ -6368,30 +6667,31 @@
 </ct:contentTypeSchema>
 </file>
 
-<file path=customXml/item2.xml><?xml version="1.0" encoding="utf-8"?>
-<?mso-contentType ?>
-<FormTemplates xmlns="http://schemas.microsoft.com/sharepoint/v3/contenttype/forms">
-  <Display>DocumentLibraryForm</Display>
-  <Edit>DocumentLibraryForm</Edit>
-  <New>DocumentLibraryForm</New>
-</FormTemplates>
+<file path=customXml/itemProps1.xml><?xml version="1.0" encoding="utf-8"?>
+<ds:datastoreItem xmlns:ds="http://schemas.openxmlformats.org/officeDocument/2006/customXml" ds:itemID="{9594DFF2-C628-43CC-A584-EA39B3AE16B2}">
+  <ds:schemaRefs>
+    <ds:schemaRef ds:uri="http://purl.org/dc/dcmitype/"/>
+    <ds:schemaRef ds:uri="http://purl.org/dc/elements/1.1/"/>
+    <ds:schemaRef ds:uri="http://schemas.microsoft.com/office/2006/documentManagement/types"/>
+    <ds:schemaRef ds:uri="http://schemas.microsoft.com/office/2006/metadata/properties"/>
+    <ds:schemaRef ds:uri="eff24bd8-0971-442c-8d07-8938bacad241"/>
+    <ds:schemaRef ds:uri="http://schemas.microsoft.com/office/infopath/2007/PartnerControls"/>
+    <ds:schemaRef ds:uri="http://www.w3.org/XML/1998/namespace"/>
+    <ds:schemaRef ds:uri="http://schemas.openxmlformats.org/package/2006/metadata/core-properties"/>
+    <ds:schemaRef ds:uri="http://purl.org/dc/terms/"/>
+  </ds:schemaRefs>
+</ds:datastoreItem>
 </file>
 
-<file path=customXml/item3.xml><?xml version="1.0" encoding="utf-8"?>
-<p:properties xmlns:p="http://schemas.microsoft.com/office/2006/metadata/properties" xmlns:xsi="http://www.w3.org/2001/XMLSchema-instance" xmlns:pc="http://schemas.microsoft.com/office/infopath/2007/PartnerControls">
-  <documentManagement>
-    <Display_x0020_Category xmlns="eff24bd8-0971-442c-8d07-8938bacad241">Technical Poster Templates</Display_x0020_Category>
-    <Tips xmlns="eff24bd8-0971-442c-8d07-8938bacad241">24x36 (2x3) Horizontal Technical Poster Template
-Contact PMP for design assistance and printing</Tips>
-    <Thumbnail xmlns="eff24bd8-0971-442c-8d07-8938bacad241">
-      <Url>http://my.battelle.org/sites/1204/PublishingImages/24horiz.JPG</Url>
-      <Description xsi:nil="true"/>
-    </Thumbnail>
-  </documentManagement>
-</p:properties>
+<file path=customXml/itemProps2.xml><?xml version="1.0" encoding="utf-8"?>
+<ds:datastoreItem xmlns:ds="http://schemas.openxmlformats.org/officeDocument/2006/customXml" ds:itemID="{75DC5EB5-B726-44F2-A2F6-CC75636660BA}">
+  <ds:schemaRefs>
+    <ds:schemaRef ds:uri="http://schemas.microsoft.com/sharepoint/v3/contenttype/forms"/>
+  </ds:schemaRefs>
+</ds:datastoreItem>
 </file>
 
-<file path=customXml/itemProps1.xml><?xml version="1.0" encoding="utf-8"?>
+<file path=customXml/itemProps3.xml><?xml version="1.0" encoding="utf-8"?>
 <ds:datastoreItem xmlns:ds="http://schemas.openxmlformats.org/officeDocument/2006/customXml" ds:itemID="{712FC097-1BC3-4843-854E-A0F26318B0F2}">
   <ds:schemaRefs>
     <ds:schemaRef ds:uri="http://schemas.microsoft.com/office/2006/metadata/contentType"/>
@@ -6407,28 +6707,4 @@
     <ds:schemaRef ds:uri="http://schemas.microsoft.com/internal/obd"/>
   </ds:schemaRefs>
 </ds:datastoreItem>
-</file>
-
-<file path=customXml/itemProps2.xml><?xml version="1.0" encoding="utf-8"?>
-<ds:datastoreItem xmlns:ds="http://schemas.openxmlformats.org/officeDocument/2006/customXml" ds:itemID="{75DC5EB5-B726-44F2-A2F6-CC75636660BA}">
-  <ds:schemaRefs>
-    <ds:schemaRef ds:uri="http://schemas.microsoft.com/sharepoint/v3/contenttype/forms"/>
-  </ds:schemaRefs>
-</ds:datastoreItem>
-</file>
-
-<file path=customXml/itemProps3.xml><?xml version="1.0" encoding="utf-8"?>
-<ds:datastoreItem xmlns:ds="http://schemas.openxmlformats.org/officeDocument/2006/customXml" ds:itemID="{9594DFF2-C628-43CC-A584-EA39B3AE16B2}">
-  <ds:schemaRefs>
-    <ds:schemaRef ds:uri="http://purl.org/dc/dcmitype/"/>
-    <ds:schemaRef ds:uri="http://purl.org/dc/elements/1.1/"/>
-    <ds:schemaRef ds:uri="http://schemas.microsoft.com/office/2006/documentManagement/types"/>
-    <ds:schemaRef ds:uri="http://schemas.microsoft.com/office/2006/metadata/properties"/>
-    <ds:schemaRef ds:uri="eff24bd8-0971-442c-8d07-8938bacad241"/>
-    <ds:schemaRef ds:uri="http://schemas.microsoft.com/office/infopath/2007/PartnerControls"/>
-    <ds:schemaRef ds:uri="http://www.w3.org/XML/1998/namespace"/>
-    <ds:schemaRef ds:uri="http://schemas.openxmlformats.org/package/2006/metadata/core-properties"/>
-    <ds:schemaRef ds:uri="http://purl.org/dc/terms/"/>
-  </ds:schemaRefs>
-</ds:datastoreItem>
 </file>
--- a/Project Components/Roiger NEON Intern Poster v.2.pptx
+++ b/Project Components/Roiger NEON Intern Poster v.2.pptx
@@ -2301,7 +2301,14 @@
                 <a:latin typeface="Arial"/>
                 <a:cs typeface="Arial"/>
               </a:rPr>
-              <a:t>Used a function that called NEON APIs to obtain location data</a:t>
+              <a:t>Use </a:t>
+            </a:r>
+            <a:r>
+              <a:rPr lang="en-US" sz="2400" dirty="0" smtClean="0">
+                <a:latin typeface="Arial"/>
+                <a:cs typeface="Arial"/>
+              </a:rPr>
+              <a:t>a function that called NEON APIs to obtain location data</a:t>
             </a:r>
           </a:p>
           <a:p>
@@ -2369,7 +2376,7 @@
                 <a:latin typeface="Arial"/>
                 <a:cs typeface="Arial"/>
               </a:rPr>
-              <a:t>Counted </a:t>
+              <a:t>Count </a:t>
             </a:r>
             <a:r>
               <a:rPr lang="en-US" sz="2400" dirty="0">
@@ -2427,14 +2434,35 @@
                 <a:latin typeface="Arial"/>
                 <a:cs typeface="Arial"/>
               </a:rPr>
-              <a:t>Created a temperature lag </a:t>
+              <a:t>Create </a:t>
+            </a:r>
+            <a:r>
+              <a:rPr lang="en-US" sz="2400" dirty="0" smtClean="0">
+                <a:latin typeface="Arial"/>
+                <a:cs typeface="Arial"/>
+              </a:rPr>
+              <a:t>a temperature lag </a:t>
             </a:r>
             <a:r>
               <a:rPr lang="en-US" sz="2400" dirty="0">
                 <a:latin typeface="Arial"/>
                 <a:cs typeface="Arial"/>
               </a:rPr>
-              <a:t>function that calculated the average maximum temperature </a:t>
+              <a:t>function that </a:t>
+            </a:r>
+            <a:r>
+              <a:rPr lang="en-US" sz="2400" dirty="0" smtClean="0">
+                <a:latin typeface="Arial"/>
+                <a:cs typeface="Arial"/>
+              </a:rPr>
+              <a:t>calculates </a:t>
+            </a:r>
+            <a:r>
+              <a:rPr lang="en-US" sz="2400" dirty="0">
+                <a:latin typeface="Arial"/>
+                <a:cs typeface="Arial"/>
+              </a:rPr>
+              <a:t>the average maximum temperature </a:t>
             </a:r>
             <a:r>
               <a:rPr lang="en-US" sz="2400" dirty="0" smtClean="0">
@@ -2478,7 +2506,17 @@
                 <a:latin typeface="Arial"/>
                 <a:cs typeface="Arial"/>
               </a:rPr>
-              <a:t>Applied the temperature lag function to a species richness data frame using the ‘</a:t>
+              <a:t>Apply </a:t>
+            </a:r>
+            <a:r>
+              <a:rPr lang="en-US" sz="2400" dirty="0" smtClean="0">
+                <a:solidFill>
+                  <a:schemeClr val="tx1"/>
+                </a:solidFill>
+                <a:latin typeface="Arial"/>
+                <a:cs typeface="Arial"/>
+              </a:rPr>
+              <a:t>the temperature lag function to a species richness data frame using the ‘</a:t>
             </a:r>
             <a:r>
               <a:rPr lang="en-US" sz="2400" dirty="0" err="1" smtClean="0">
@@ -3847,11 +3885,7 @@
             <a:p>
               <a:r>
                 <a:rPr lang="en-US" sz="1800" b="1" dirty="0" smtClean="0"/>
-                <a:t>Figure </a:t>
-              </a:r>
-              <a:r>
-                <a:rPr lang="en-US" sz="1800" b="1" dirty="0" smtClean="0"/>
-                <a:t>4. </a:t>
+                <a:t>Figure 4. </a:t>
               </a:r>
               <a:r>
                 <a:rPr lang="en-US" sz="1800" i="1" dirty="0" err="1" smtClean="0"/>
@@ -5194,7 +5228,7 @@
                 <a:latin typeface="Arial"/>
                 <a:cs typeface="Arial"/>
               </a:rPr>
-              <a:t>tarslais</a:t>
+              <a:t>tarsalis</a:t>
             </a:r>
             <a:r>
               <a:rPr lang="en-US" sz="4800" b="1" i="1" dirty="0" smtClean="0">
@@ -5216,13 +5250,6 @@
               </a:rPr>
               <a:t>has expanded:</a:t>
             </a:r>
-            <a:endParaRPr lang="en-US" sz="4800" b="1" dirty="0" smtClean="0">
-              <a:solidFill>
-                <a:schemeClr val="accent2"/>
-              </a:solidFill>
-              <a:latin typeface="Arial"/>
-              <a:cs typeface="Arial"/>
-            </a:endParaRPr>
           </a:p>
           <a:p>
             <a:pPr marL="457200" indent="-457200">
@@ -5351,7 +5378,21 @@
                 <a:latin typeface="Arial"/>
                 <a:cs typeface="Arial"/>
               </a:rPr>
-              <a:t>was present (bottom) reveal that this species has been found in habitats further north from its typical range.</a:t>
+              <a:t>was present (bottom) reveal that this species has been found in habitats </a:t>
+            </a:r>
+            <a:r>
+              <a:rPr lang="en-US" sz="3400" dirty="0" smtClean="0">
+                <a:latin typeface="Arial"/>
+                <a:cs typeface="Arial"/>
+              </a:rPr>
+              <a:t>farther </a:t>
+            </a:r>
+            <a:r>
+              <a:rPr lang="en-US" sz="3400" dirty="0" smtClean="0">
+                <a:latin typeface="Arial"/>
+                <a:cs typeface="Arial"/>
+              </a:rPr>
+              <a:t>north from its typical range.</a:t>
             </a:r>
           </a:p>
           <a:p>
@@ -5421,11 +5462,7 @@
           <a:p>
             <a:r>
               <a:rPr lang="en-US" sz="1800" b="1" dirty="0" smtClean="0"/>
-              <a:t>Figure </a:t>
-            </a:r>
-            <a:r>
-              <a:rPr lang="en-US" sz="1800" b="1" dirty="0" smtClean="0"/>
-              <a:t>5. </a:t>
+              <a:t>Figure 5. </a:t>
             </a:r>
             <a:r>
               <a:rPr lang="en-US" sz="1800" dirty="0" smtClean="0"/>
@@ -6495,29 +6532,6 @@
 </file>
 
 <file path=customXml/item1.xml><?xml version="1.0" encoding="utf-8"?>
-<p:properties xmlns:p="http://schemas.microsoft.com/office/2006/metadata/properties" xmlns:xsi="http://www.w3.org/2001/XMLSchema-instance" xmlns:pc="http://schemas.microsoft.com/office/infopath/2007/PartnerControls">
-  <documentManagement>
-    <Display_x0020_Category xmlns="eff24bd8-0971-442c-8d07-8938bacad241">Technical Poster Templates</Display_x0020_Category>
-    <Tips xmlns="eff24bd8-0971-442c-8d07-8938bacad241">24x36 (2x3) Horizontal Technical Poster Template
-Contact PMP for design assistance and printing</Tips>
-    <Thumbnail xmlns="eff24bd8-0971-442c-8d07-8938bacad241">
-      <Url>http://my.battelle.org/sites/1204/PublishingImages/24horiz.JPG</Url>
-      <Description xsi:nil="true"/>
-    </Thumbnail>
-  </documentManagement>
-</p:properties>
-</file>
-
-<file path=customXml/item2.xml><?xml version="1.0" encoding="utf-8"?>
-<?mso-contentType ?>
-<FormTemplates xmlns="http://schemas.microsoft.com/sharepoint/v3/contenttype/forms">
-  <Display>DocumentLibraryForm</Display>
-  <Edit>DocumentLibraryForm</Edit>
-  <New>DocumentLibraryForm</New>
-</FormTemplates>
-</file>
-
-<file path=customXml/item3.xml><?xml version="1.0" encoding="utf-8"?>
 <ct:contentTypeSchema xmlns:ct="http://schemas.microsoft.com/office/2006/metadata/contentType" xmlns:ma="http://schemas.microsoft.com/office/2006/metadata/properties/metaAttributes" ct:_="" ma:_="" ma:contentTypeName="Document" ma:contentTypeID="0x010100ED60A9A06E5FED44AC1CDEEE45A76310" ma:contentTypeVersion="4" ma:contentTypeDescription="Create a new document." ma:contentTypeScope="" ma:versionID="074ba561a83d5d4641addf53e66ba534">
   <xsd:schema xmlns:xsd="http://www.w3.org/2001/XMLSchema" xmlns:xs="http://www.w3.org/2001/XMLSchema" xmlns:p="http://schemas.microsoft.com/office/2006/metadata/properties" xmlns:ns1="eff24bd8-0971-442c-8d07-8938bacad241" targetNamespace="http://schemas.microsoft.com/office/2006/metadata/properties" ma:root="true" ma:fieldsID="b1ab2b088810cb506e54576bc1f030ea" ns1:_="">
     <xsd:import namespace="eff24bd8-0971-442c-8d07-8938bacad241"/>
@@ -6667,31 +6681,30 @@
 </ct:contentTypeSchema>
 </file>
 
-<file path=customXml/itemProps1.xml><?xml version="1.0" encoding="utf-8"?>
-<ds:datastoreItem xmlns:ds="http://schemas.openxmlformats.org/officeDocument/2006/customXml" ds:itemID="{9594DFF2-C628-43CC-A584-EA39B3AE16B2}">
-  <ds:schemaRefs>
-    <ds:schemaRef ds:uri="http://purl.org/dc/dcmitype/"/>
-    <ds:schemaRef ds:uri="http://purl.org/dc/elements/1.1/"/>
-    <ds:schemaRef ds:uri="http://schemas.microsoft.com/office/2006/documentManagement/types"/>
-    <ds:schemaRef ds:uri="http://schemas.microsoft.com/office/2006/metadata/properties"/>
-    <ds:schemaRef ds:uri="eff24bd8-0971-442c-8d07-8938bacad241"/>
-    <ds:schemaRef ds:uri="http://schemas.microsoft.com/office/infopath/2007/PartnerControls"/>
-    <ds:schemaRef ds:uri="http://www.w3.org/XML/1998/namespace"/>
-    <ds:schemaRef ds:uri="http://schemas.openxmlformats.org/package/2006/metadata/core-properties"/>
-    <ds:schemaRef ds:uri="http://purl.org/dc/terms/"/>
-  </ds:schemaRefs>
-</ds:datastoreItem>
+<file path=customXml/item2.xml><?xml version="1.0" encoding="utf-8"?>
+<?mso-contentType ?>
+<FormTemplates xmlns="http://schemas.microsoft.com/sharepoint/v3/contenttype/forms">
+  <Display>DocumentLibraryForm</Display>
+  <Edit>DocumentLibraryForm</Edit>
+  <New>DocumentLibraryForm</New>
+</FormTemplates>
 </file>
 
-<file path=customXml/itemProps2.xml><?xml version="1.0" encoding="utf-8"?>
-<ds:datastoreItem xmlns:ds="http://schemas.openxmlformats.org/officeDocument/2006/customXml" ds:itemID="{75DC5EB5-B726-44F2-A2F6-CC75636660BA}">
-  <ds:schemaRefs>
-    <ds:schemaRef ds:uri="http://schemas.microsoft.com/sharepoint/v3/contenttype/forms"/>
-  </ds:schemaRefs>
-</ds:datastoreItem>
+<file path=customXml/item3.xml><?xml version="1.0" encoding="utf-8"?>
+<p:properties xmlns:p="http://schemas.microsoft.com/office/2006/metadata/properties" xmlns:xsi="http://www.w3.org/2001/XMLSchema-instance" xmlns:pc="http://schemas.microsoft.com/office/infopath/2007/PartnerControls">
+  <documentManagement>
+    <Display_x0020_Category xmlns="eff24bd8-0971-442c-8d07-8938bacad241">Technical Poster Templates</Display_x0020_Category>
+    <Tips xmlns="eff24bd8-0971-442c-8d07-8938bacad241">24x36 (2x3) Horizontal Technical Poster Template
+Contact PMP for design assistance and printing</Tips>
+    <Thumbnail xmlns="eff24bd8-0971-442c-8d07-8938bacad241">
+      <Url>http://my.battelle.org/sites/1204/PublishingImages/24horiz.JPG</Url>
+      <Description xsi:nil="true"/>
+    </Thumbnail>
+  </documentManagement>
+</p:properties>
 </file>
 
-<file path=customXml/itemProps3.xml><?xml version="1.0" encoding="utf-8"?>
+<file path=customXml/itemProps1.xml><?xml version="1.0" encoding="utf-8"?>
 <ds:datastoreItem xmlns:ds="http://schemas.openxmlformats.org/officeDocument/2006/customXml" ds:itemID="{712FC097-1BC3-4843-854E-A0F26318B0F2}">
   <ds:schemaRefs>
     <ds:schemaRef ds:uri="http://schemas.microsoft.com/office/2006/metadata/contentType"/>
@@ -6707,4 +6720,28 @@
     <ds:schemaRef ds:uri="http://schemas.microsoft.com/internal/obd"/>
   </ds:schemaRefs>
 </ds:datastoreItem>
+</file>
+
+<file path=customXml/itemProps2.xml><?xml version="1.0" encoding="utf-8"?>
+<ds:datastoreItem xmlns:ds="http://schemas.openxmlformats.org/officeDocument/2006/customXml" ds:itemID="{75DC5EB5-B726-44F2-A2F6-CC75636660BA}">
+  <ds:schemaRefs>
+    <ds:schemaRef ds:uri="http://schemas.microsoft.com/sharepoint/v3/contenttype/forms"/>
+  </ds:schemaRefs>
+</ds:datastoreItem>
+</file>
+
+<file path=customXml/itemProps3.xml><?xml version="1.0" encoding="utf-8"?>
+<ds:datastoreItem xmlns:ds="http://schemas.openxmlformats.org/officeDocument/2006/customXml" ds:itemID="{9594DFF2-C628-43CC-A584-EA39B3AE16B2}">
+  <ds:schemaRefs>
+    <ds:schemaRef ds:uri="http://purl.org/dc/dcmitype/"/>
+    <ds:schemaRef ds:uri="http://purl.org/dc/elements/1.1/"/>
+    <ds:schemaRef ds:uri="http://schemas.microsoft.com/office/2006/documentManagement/types"/>
+    <ds:schemaRef ds:uri="http://schemas.microsoft.com/office/2006/metadata/properties"/>
+    <ds:schemaRef ds:uri="eff24bd8-0971-442c-8d07-8938bacad241"/>
+    <ds:schemaRef ds:uri="http://schemas.microsoft.com/office/infopath/2007/PartnerControls"/>
+    <ds:schemaRef ds:uri="http://www.w3.org/XML/1998/namespace"/>
+    <ds:schemaRef ds:uri="http://schemas.openxmlformats.org/package/2006/metadata/core-properties"/>
+    <ds:schemaRef ds:uri="http://purl.org/dc/terms/"/>
+  </ds:schemaRefs>
+</ds:datastoreItem>
 </file>
--- a/Project Components/Roiger NEON Intern Poster v.2.pptx
+++ b/Project Components/Roiger NEON Intern Poster v.2.pptx
@@ -2301,14 +2301,7 @@
                 <a:latin typeface="Arial"/>
                 <a:cs typeface="Arial"/>
               </a:rPr>
-              <a:t>Use </a:t>
-            </a:r>
-            <a:r>
-              <a:rPr lang="en-US" sz="2400" dirty="0" smtClean="0">
-                <a:latin typeface="Arial"/>
-                <a:cs typeface="Arial"/>
-              </a:rPr>
-              <a:t>a function that called NEON APIs to obtain location data</a:t>
+              <a:t>Use a function that called NEON APIs to obtain location data</a:t>
             </a:r>
           </a:p>
           <a:p>
@@ -2434,14 +2427,7 @@
                 <a:latin typeface="Arial"/>
                 <a:cs typeface="Arial"/>
               </a:rPr>
-              <a:t>Create </a:t>
-            </a:r>
-            <a:r>
-              <a:rPr lang="en-US" sz="2400" dirty="0" smtClean="0">
-                <a:latin typeface="Arial"/>
-                <a:cs typeface="Arial"/>
-              </a:rPr>
-              <a:t>a temperature lag </a:t>
+              <a:t>Create a temperature lag </a:t>
             </a:r>
             <a:r>
               <a:rPr lang="en-US" sz="2400" dirty="0">
@@ -2506,17 +2492,7 @@
                 <a:latin typeface="Arial"/>
                 <a:cs typeface="Arial"/>
               </a:rPr>
-              <a:t>Apply </a:t>
-            </a:r>
-            <a:r>
-              <a:rPr lang="en-US" sz="2400" dirty="0" smtClean="0">
-                <a:solidFill>
-                  <a:schemeClr val="tx1"/>
-                </a:solidFill>
-                <a:latin typeface="Arial"/>
-                <a:cs typeface="Arial"/>
-              </a:rPr>
-              <a:t>the temperature lag function to a species richness data frame using the ‘</a:t>
+              <a:t>Apply the temperature lag function to a species richness data frame using the ‘</a:t>
             </a:r>
             <a:r>
               <a:rPr lang="en-US" sz="2400" dirty="0" err="1" smtClean="0">
@@ -5378,21 +5354,7 @@
                 <a:latin typeface="Arial"/>
                 <a:cs typeface="Arial"/>
               </a:rPr>
-              <a:t>was present (bottom) reveal that this species has been found in habitats </a:t>
-            </a:r>
-            <a:r>
-              <a:rPr lang="en-US" sz="3400" dirty="0" smtClean="0">
-                <a:latin typeface="Arial"/>
-                <a:cs typeface="Arial"/>
-              </a:rPr>
-              <a:t>farther </a:t>
-            </a:r>
-            <a:r>
-              <a:rPr lang="en-US" sz="3400" dirty="0" smtClean="0">
-                <a:latin typeface="Arial"/>
-                <a:cs typeface="Arial"/>
-              </a:rPr>
-              <a:t>north from its typical range.</a:t>
+              <a:t>was present (bottom) reveal that this species has been found in habitats farther north from its typical range.</a:t>
             </a:r>
           </a:p>
           <a:p>
@@ -5583,6 +5545,98 @@
               <a:t> was found to be present in Alaska, outside of its typical range, in 2016. </a:t>
             </a:r>
             <a:endParaRPr lang="en-US" sz="1800" dirty="0"/>
+          </a:p>
+        </p:txBody>
+      </p:sp>
+      <p:sp>
+        <p:nvSpPr>
+          <p:cNvPr id="5" name="Oval 4"/>
+          <p:cNvSpPr/>
+          <p:nvPr/>
+        </p:nvSpPr>
+        <p:spPr>
+          <a:xfrm>
+            <a:off x="13020963" y="16261985"/>
+            <a:ext cx="2575213" cy="1592825"/>
+          </a:xfrm>
+          <a:prstGeom prst="ellipse">
+            <a:avLst/>
+          </a:prstGeom>
+          <a:noFill/>
+          <a:ln>
+            <a:solidFill>
+              <a:srgbClr val="FF0000"/>
+            </a:solidFill>
+          </a:ln>
+        </p:spPr>
+        <p:style>
+          <a:lnRef idx="2">
+            <a:schemeClr val="accent1">
+              <a:shade val="50000"/>
+            </a:schemeClr>
+          </a:lnRef>
+          <a:fillRef idx="1">
+            <a:schemeClr val="accent1"/>
+          </a:fillRef>
+          <a:effectRef idx="0">
+            <a:schemeClr val="accent1"/>
+          </a:effectRef>
+          <a:fontRef idx="minor">
+            <a:schemeClr val="lt1"/>
+          </a:fontRef>
+        </p:style>
+        <p:txBody>
+          <a:bodyPr rtlCol="0" anchor="ctr"/>
+          <a:lstStyle/>
+          <a:p>
+            <a:pPr algn="ctr"/>
+            <a:endParaRPr lang="en-US"/>
+          </a:p>
+        </p:txBody>
+      </p:sp>
+      <p:sp>
+        <p:nvSpPr>
+          <p:cNvPr id="88" name="Oval 87"/>
+          <p:cNvSpPr/>
+          <p:nvPr/>
+        </p:nvSpPr>
+        <p:spPr>
+          <a:xfrm>
+            <a:off x="13551651" y="22782854"/>
+            <a:ext cx="2575213" cy="1592825"/>
+          </a:xfrm>
+          <a:prstGeom prst="ellipse">
+            <a:avLst/>
+          </a:prstGeom>
+          <a:noFill/>
+          <a:ln>
+            <a:solidFill>
+              <a:srgbClr val="FF0000"/>
+            </a:solidFill>
+          </a:ln>
+        </p:spPr>
+        <p:style>
+          <a:lnRef idx="2">
+            <a:schemeClr val="accent1">
+              <a:shade val="50000"/>
+            </a:schemeClr>
+          </a:lnRef>
+          <a:fillRef idx="1">
+            <a:schemeClr val="accent1"/>
+          </a:fillRef>
+          <a:effectRef idx="0">
+            <a:schemeClr val="accent1"/>
+          </a:effectRef>
+          <a:fontRef idx="minor">
+            <a:schemeClr val="lt1"/>
+          </a:fontRef>
+        </p:style>
+        <p:txBody>
+          <a:bodyPr rtlCol="0" anchor="ctr"/>
+          <a:lstStyle/>
+          <a:p>
+            <a:pPr algn="ctr"/>
+            <a:endParaRPr lang="en-US"/>
           </a:p>
         </p:txBody>
       </p:sp>
@@ -6532,6 +6586,29 @@
 </file>
 
 <file path=customXml/item1.xml><?xml version="1.0" encoding="utf-8"?>
+<p:properties xmlns:p="http://schemas.microsoft.com/office/2006/metadata/properties" xmlns:xsi="http://www.w3.org/2001/XMLSchema-instance" xmlns:pc="http://schemas.microsoft.com/office/infopath/2007/PartnerControls">
+  <documentManagement>
+    <Display_x0020_Category xmlns="eff24bd8-0971-442c-8d07-8938bacad241">Technical Poster Templates</Display_x0020_Category>
+    <Tips xmlns="eff24bd8-0971-442c-8d07-8938bacad241">24x36 (2x3) Horizontal Technical Poster Template
+Contact PMP for design assistance and printing</Tips>
+    <Thumbnail xmlns="eff24bd8-0971-442c-8d07-8938bacad241">
+      <Url>http://my.battelle.org/sites/1204/PublishingImages/24horiz.JPG</Url>
+      <Description xsi:nil="true"/>
+    </Thumbnail>
+  </documentManagement>
+</p:properties>
+</file>
+
+<file path=customXml/item2.xml><?xml version="1.0" encoding="utf-8"?>
+<?mso-contentType ?>
+<FormTemplates xmlns="http://schemas.microsoft.com/sharepoint/v3/contenttype/forms">
+  <Display>DocumentLibraryForm</Display>
+  <Edit>DocumentLibraryForm</Edit>
+  <New>DocumentLibraryForm</New>
+</FormTemplates>
+</file>
+
+<file path=customXml/item3.xml><?xml version="1.0" encoding="utf-8"?>
 <ct:contentTypeSchema xmlns:ct="http://schemas.microsoft.com/office/2006/metadata/contentType" xmlns:ma="http://schemas.microsoft.com/office/2006/metadata/properties/metaAttributes" ct:_="" ma:_="" ma:contentTypeName="Document" ma:contentTypeID="0x010100ED60A9A06E5FED44AC1CDEEE45A76310" ma:contentTypeVersion="4" ma:contentTypeDescription="Create a new document." ma:contentTypeScope="" ma:versionID="074ba561a83d5d4641addf53e66ba534">
   <xsd:schema xmlns:xsd="http://www.w3.org/2001/XMLSchema" xmlns:xs="http://www.w3.org/2001/XMLSchema" xmlns:p="http://schemas.microsoft.com/office/2006/metadata/properties" xmlns:ns1="eff24bd8-0971-442c-8d07-8938bacad241" targetNamespace="http://schemas.microsoft.com/office/2006/metadata/properties" ma:root="true" ma:fieldsID="b1ab2b088810cb506e54576bc1f030ea" ns1:_="">
     <xsd:import namespace="eff24bd8-0971-442c-8d07-8938bacad241"/>
@@ -6681,30 +6758,31 @@
 </ct:contentTypeSchema>
 </file>
 
-<file path=customXml/item2.xml><?xml version="1.0" encoding="utf-8"?>
-<?mso-contentType ?>
-<FormTemplates xmlns="http://schemas.microsoft.com/sharepoint/v3/contenttype/forms">
-  <Display>DocumentLibraryForm</Display>
-  <Edit>DocumentLibraryForm</Edit>
-  <New>DocumentLibraryForm</New>
-</FormTemplates>
+<file path=customXml/itemProps1.xml><?xml version="1.0" encoding="utf-8"?>
+<ds:datastoreItem xmlns:ds="http://schemas.openxmlformats.org/officeDocument/2006/customXml" ds:itemID="{9594DFF2-C628-43CC-A584-EA39B3AE16B2}">
+  <ds:schemaRefs>
+    <ds:schemaRef ds:uri="http://purl.org/dc/dcmitype/"/>
+    <ds:schemaRef ds:uri="http://purl.org/dc/elements/1.1/"/>
+    <ds:schemaRef ds:uri="http://schemas.microsoft.com/office/2006/documentManagement/types"/>
+    <ds:schemaRef ds:uri="http://schemas.microsoft.com/office/2006/metadata/properties"/>
+    <ds:schemaRef ds:uri="eff24bd8-0971-442c-8d07-8938bacad241"/>
+    <ds:schemaRef ds:uri="http://schemas.microsoft.com/office/infopath/2007/PartnerControls"/>
+    <ds:schemaRef ds:uri="http://www.w3.org/XML/1998/namespace"/>
+    <ds:schemaRef ds:uri="http://schemas.openxmlformats.org/package/2006/metadata/core-properties"/>
+    <ds:schemaRef ds:uri="http://purl.org/dc/terms/"/>
+  </ds:schemaRefs>
+</ds:datastoreItem>
 </file>
 
-<file path=customXml/item3.xml><?xml version="1.0" encoding="utf-8"?>
-<p:properties xmlns:p="http://schemas.microsoft.com/office/2006/metadata/properties" xmlns:xsi="http://www.w3.org/2001/XMLSchema-instance" xmlns:pc="http://schemas.microsoft.com/office/infopath/2007/PartnerControls">
-  <documentManagement>
-    <Display_x0020_Category xmlns="eff24bd8-0971-442c-8d07-8938bacad241">Technical Poster Templates</Display_x0020_Category>
-    <Tips xmlns="eff24bd8-0971-442c-8d07-8938bacad241">24x36 (2x3) Horizontal Technical Poster Template
-Contact PMP for design assistance and printing</Tips>
-    <Thumbnail xmlns="eff24bd8-0971-442c-8d07-8938bacad241">
-      <Url>http://my.battelle.org/sites/1204/PublishingImages/24horiz.JPG</Url>
-      <Description xsi:nil="true"/>
-    </Thumbnail>
-  </documentManagement>
-</p:properties>
+<file path=customXml/itemProps2.xml><?xml version="1.0" encoding="utf-8"?>
+<ds:datastoreItem xmlns:ds="http://schemas.openxmlformats.org/officeDocument/2006/customXml" ds:itemID="{75DC5EB5-B726-44F2-A2F6-CC75636660BA}">
+  <ds:schemaRefs>
+    <ds:schemaRef ds:uri="http://schemas.microsoft.com/sharepoint/v3/contenttype/forms"/>
+  </ds:schemaRefs>
+</ds:datastoreItem>
 </file>
 
-<file path=customXml/itemProps1.xml><?xml version="1.0" encoding="utf-8"?>
+<file path=customXml/itemProps3.xml><?xml version="1.0" encoding="utf-8"?>
 <ds:datastoreItem xmlns:ds="http://schemas.openxmlformats.org/officeDocument/2006/customXml" ds:itemID="{712FC097-1BC3-4843-854E-A0F26318B0F2}">
   <ds:schemaRefs>
     <ds:schemaRef ds:uri="http://schemas.microsoft.com/office/2006/metadata/contentType"/>
@@ -6720,28 +6798,4 @@
     <ds:schemaRef ds:uri="http://schemas.microsoft.com/internal/obd"/>
   </ds:schemaRefs>
 </ds:datastoreItem>
-</file>
-
-<file path=customXml/itemProps2.xml><?xml version="1.0" encoding="utf-8"?>
-<ds:datastoreItem xmlns:ds="http://schemas.openxmlformats.org/officeDocument/2006/customXml" ds:itemID="{75DC5EB5-B726-44F2-A2F6-CC75636660BA}">
-  <ds:schemaRefs>
-    <ds:schemaRef ds:uri="http://schemas.microsoft.com/sharepoint/v3/contenttype/forms"/>
-  </ds:schemaRefs>
-</ds:datastoreItem>
-</file>
-
-<file path=customXml/itemProps3.xml><?xml version="1.0" encoding="utf-8"?>
-<ds:datastoreItem xmlns:ds="http://schemas.openxmlformats.org/officeDocument/2006/customXml" ds:itemID="{9594DFF2-C628-43CC-A584-EA39B3AE16B2}">
-  <ds:schemaRefs>
-    <ds:schemaRef ds:uri="http://purl.org/dc/dcmitype/"/>
-    <ds:schemaRef ds:uri="http://purl.org/dc/elements/1.1/"/>
-    <ds:schemaRef ds:uri="http://schemas.microsoft.com/office/2006/documentManagement/types"/>
-    <ds:schemaRef ds:uri="http://schemas.microsoft.com/office/2006/metadata/properties"/>
-    <ds:schemaRef ds:uri="eff24bd8-0971-442c-8d07-8938bacad241"/>
-    <ds:schemaRef ds:uri="http://schemas.microsoft.com/office/infopath/2007/PartnerControls"/>
-    <ds:schemaRef ds:uri="http://www.w3.org/XML/1998/namespace"/>
-    <ds:schemaRef ds:uri="http://schemas.openxmlformats.org/package/2006/metadata/core-properties"/>
-    <ds:schemaRef ds:uri="http://purl.org/dc/terms/"/>
-  </ds:schemaRefs>
-</ds:datastoreItem>
 </file>
--- a/Project Components/Roiger NEON Intern Poster v.2.pptx
+++ b/Project Components/Roiger NEON Intern Poster v.2.pptx
@@ -2949,7 +2949,7 @@
         </p:nvSpPr>
         <p:spPr>
           <a:xfrm>
-            <a:off x="22254082" y="7224840"/>
+            <a:off x="22264947" y="7225328"/>
             <a:ext cx="10058400" cy="6644640"/>
           </a:xfrm>
           <a:prstGeom prst="rect">
@@ -3026,7 +3026,7 @@
         </p:nvSpPr>
         <p:spPr>
           <a:xfrm>
-            <a:off x="32984957" y="24454692"/>
+            <a:off x="32992018" y="24450071"/>
             <a:ext cx="10058400" cy="861774"/>
           </a:xfrm>
           <a:prstGeom prst="rect">
@@ -3336,131 +3336,116 @@
           </a:p>
         </p:txBody>
       </p:sp>
-      <p:grpSp>
-        <p:nvGrpSpPr>
-          <p:cNvPr id="73" name="Group 72"/>
-          <p:cNvGrpSpPr/>
+      <p:sp>
+        <p:nvSpPr>
+          <p:cNvPr id="32" name="TextBox 31"/>
+          <p:cNvSpPr txBox="1"/>
           <p:nvPr/>
-        </p:nvGrpSpPr>
-        <p:grpSpPr>
+        </p:nvSpPr>
+        <p:spPr>
           <a:xfrm>
-            <a:off x="32980982" y="21853652"/>
-            <a:ext cx="10058400" cy="2355568"/>
-            <a:chOff x="32972239" y="26402313"/>
-            <a:chExt cx="9981897" cy="2590185"/>
+            <a:off x="32992018" y="21859593"/>
+            <a:ext cx="10058400" cy="783715"/>
           </a:xfrm>
-        </p:grpSpPr>
-        <p:sp>
-          <p:nvSpPr>
-            <p:cNvPr id="32" name="TextBox 31"/>
-            <p:cNvSpPr txBox="1"/>
-            <p:nvPr/>
-          </p:nvSpPr>
-          <p:spPr>
-            <a:xfrm>
-              <a:off x="32972239" y="26402313"/>
-              <a:ext cx="9981897" cy="861774"/>
-            </a:xfrm>
-            <a:prstGeom prst="rect">
-              <a:avLst/>
-            </a:prstGeom>
+          <a:prstGeom prst="rect">
+            <a:avLst/>
+          </a:prstGeom>
+          <a:solidFill>
+            <a:srgbClr val="424242"/>
+          </a:solidFill>
+          <a:ln>
             <a:solidFill>
               <a:srgbClr val="424242"/>
             </a:solidFill>
-            <a:ln>
-              <a:solidFill>
-                <a:srgbClr val="424242"/>
-              </a:solidFill>
-            </a:ln>
-          </p:spPr>
-          <p:style>
-            <a:lnRef idx="0">
-              <a:schemeClr val="accent2"/>
-            </a:lnRef>
-            <a:fillRef idx="3">
-              <a:schemeClr val="accent2"/>
-            </a:fillRef>
-            <a:effectRef idx="3">
-              <a:schemeClr val="accent2"/>
-            </a:effectRef>
-            <a:fontRef idx="minor">
-              <a:schemeClr val="lt1"/>
-            </a:fontRef>
-          </p:style>
-          <p:txBody>
-            <a:bodyPr wrap="square" lIns="182880" tIns="182880" rIns="182880" bIns="182880" rtlCol="0">
-              <a:spAutoFit/>
-            </a:bodyPr>
-            <a:lstStyle/>
-            <a:p>
-              <a:pPr algn="ctr"/>
-              <a:r>
-                <a:rPr lang="en-US" sz="3200" b="1" dirty="0" smtClean="0">
-                  <a:solidFill>
-                    <a:schemeClr val="bg1"/>
-                  </a:solidFill>
-                  <a:latin typeface="Century Gothic"/>
-                  <a:cs typeface="Century Gothic"/>
-                </a:rPr>
-                <a:t>Acknowledgments</a:t>
-              </a:r>
-            </a:p>
-          </p:txBody>
-        </p:sp>
-        <p:sp>
-          <p:nvSpPr>
-            <p:cNvPr id="33" name="Rectangle 32"/>
-            <p:cNvSpPr>
-              <a:spLocks/>
-            </p:cNvSpPr>
-            <p:nvPr/>
-          </p:nvSpPr>
-          <p:spPr>
-            <a:xfrm>
-              <a:off x="32972239" y="27264088"/>
-              <a:ext cx="9981897" cy="1728410"/>
-            </a:xfrm>
-            <a:prstGeom prst="rect">
-              <a:avLst/>
-            </a:prstGeom>
-            <a:ln w="12700">
-              <a:solidFill>
-                <a:srgbClr val="424242"/>
-              </a:solidFill>
-              <a:miter lim="800000"/>
-            </a:ln>
-          </p:spPr>
-          <p:style>
-            <a:lnRef idx="2">
-              <a:schemeClr val="dk1"/>
-            </a:lnRef>
-            <a:fillRef idx="1">
-              <a:schemeClr val="lt1"/>
-            </a:fillRef>
-            <a:effectRef idx="0">
-              <a:schemeClr val="dk1"/>
-            </a:effectRef>
-            <a:fontRef idx="minor">
-              <a:schemeClr val="dk1"/>
-            </a:fontRef>
-          </p:style>
-          <p:txBody>
-            <a:bodyPr wrap="square" lIns="457200" tIns="274320" rIns="457200" bIns="457200">
-              <a:noAutofit/>
-            </a:bodyPr>
-            <a:lstStyle/>
-            <a:p>
-              <a:r>
-                <a:rPr lang="en-US" sz="2400" dirty="0" smtClean="0">
-                  <a:latin typeface="Arial"/>
-                  <a:cs typeface="Arial"/>
-                </a:rPr>
-                <a:t>Special thanks to Cody Flagg, Megan Jones, and Katie LeVan for providing mentorship, coding expertise, and support throughout the creation of this data tutorial. </a:t>
-              </a:r>
-            </a:p>
-          </p:txBody>
-        </p:sp>
-      </p:grpSp>
+          </a:ln>
+        </p:spPr>
+        <p:style>
+          <a:lnRef idx="0">
+            <a:schemeClr val="accent2"/>
+          </a:lnRef>
+          <a:fillRef idx="3">
+            <a:schemeClr val="accent2"/>
+          </a:fillRef>
+          <a:effectRef idx="3">
+            <a:schemeClr val="accent2"/>
+          </a:effectRef>
+          <a:fontRef idx="minor">
+            <a:schemeClr val="lt1"/>
+          </a:fontRef>
+        </p:style>
+        <p:txBody>
+          <a:bodyPr wrap="square" lIns="182880" tIns="182880" rIns="182880" bIns="182880" rtlCol="0">
+            <a:spAutoFit/>
+          </a:bodyPr>
+          <a:lstStyle/>
+          <a:p>
+            <a:pPr algn="ctr"/>
+            <a:r>
+              <a:rPr lang="en-US" sz="3200" b="1" dirty="0" smtClean="0">
+                <a:solidFill>
+                  <a:schemeClr val="bg1"/>
+                </a:solidFill>
+                <a:latin typeface="Century Gothic"/>
+                <a:cs typeface="Century Gothic"/>
+              </a:rPr>
+              <a:t>Acknowledgments</a:t>
+            </a:r>
+          </a:p>
+        </p:txBody>
+      </p:sp>
+      <p:sp>
+        <p:nvSpPr>
+          <p:cNvPr id="33" name="Rectangle 32"/>
+          <p:cNvSpPr>
+            <a:spLocks/>
+          </p:cNvSpPr>
+          <p:nvPr/>
+        </p:nvSpPr>
+        <p:spPr>
+          <a:xfrm>
+            <a:off x="32992018" y="22643308"/>
+            <a:ext cx="10058400" cy="1571852"/>
+          </a:xfrm>
+          <a:prstGeom prst="rect">
+            <a:avLst/>
+          </a:prstGeom>
+          <a:ln w="12700">
+            <a:solidFill>
+              <a:srgbClr val="424242"/>
+            </a:solidFill>
+            <a:miter lim="800000"/>
+          </a:ln>
+        </p:spPr>
+        <p:style>
+          <a:lnRef idx="2">
+            <a:schemeClr val="dk1"/>
+          </a:lnRef>
+          <a:fillRef idx="1">
+            <a:schemeClr val="lt1"/>
+          </a:fillRef>
+          <a:effectRef idx="0">
+            <a:schemeClr val="dk1"/>
+          </a:effectRef>
+          <a:fontRef idx="minor">
+            <a:schemeClr val="dk1"/>
+          </a:fontRef>
+        </p:style>
+        <p:txBody>
+          <a:bodyPr wrap="square" lIns="457200" tIns="274320" rIns="457200" bIns="457200">
+            <a:noAutofit/>
+          </a:bodyPr>
+          <a:lstStyle/>
+          <a:p>
+            <a:r>
+              <a:rPr lang="en-US" sz="2400" dirty="0" smtClean="0">
+                <a:latin typeface="Arial"/>
+                <a:cs typeface="Arial"/>
+              </a:rPr>
+              <a:t>Special thanks to Cody Flagg, Megan Jones, and Katie LeVan for providing mentorship, coding expertise, and support throughout the creation of this data tutorial. </a:t>
+            </a:r>
+          </a:p>
+        </p:txBody>
+      </p:sp>
       <p:pic>
         <p:nvPicPr>
           <p:cNvPr id="12" name="Picture 11"/>
@@ -3609,7 +3594,7 @@
         </p:nvGrpSpPr>
         <p:grpSpPr>
           <a:xfrm>
-            <a:off x="32984957" y="14243348"/>
+            <a:off x="32992018" y="14243348"/>
             <a:ext cx="10058400" cy="7381333"/>
             <a:chOff x="32972239" y="6402576"/>
             <a:chExt cx="10058400" cy="7381333"/>
@@ -3851,7 +3836,7 @@
               </a:r>
               <a:r>
                 <a:rPr lang="en-US" sz="1800" b="1" dirty="0" smtClean="0"/>
-                <a:t>4. </a:t>
+                <a:t>6. </a:t>
               </a:r>
               <a:r>
                 <a:rPr lang="en-US" sz="1800" i="1" dirty="0" err="1" smtClean="0"/>
@@ -3902,10 +3887,10 @@
         </p:nvGrpSpPr>
         <p:grpSpPr>
           <a:xfrm>
-            <a:off x="32984957" y="6380287"/>
-            <a:ext cx="10087082" cy="7453940"/>
-            <a:chOff x="32943557" y="14243348"/>
-            <a:chExt cx="10087082" cy="7453940"/>
+            <a:off x="32980982" y="6402749"/>
+            <a:ext cx="10069436" cy="7438550"/>
+            <a:chOff x="32961203" y="14243348"/>
+            <a:chExt cx="10069436" cy="7438550"/>
           </a:xfrm>
         </p:grpSpPr>
         <p:sp>
@@ -3918,8 +3903,8 @@
           </p:nvSpPr>
           <p:spPr>
             <a:xfrm>
-              <a:off x="32943557" y="15043568"/>
-              <a:ext cx="10087082" cy="6653720"/>
+              <a:off x="32961203" y="15028178"/>
+              <a:ext cx="10069436" cy="6653720"/>
             </a:xfrm>
             <a:prstGeom prst="rect">
               <a:avLst/>
@@ -5164,7 +5149,27 @@
                 <a:latin typeface="Arial"/>
                 <a:cs typeface="Arial"/>
               </a:rPr>
-              <a:t>NEON mosquito data indicates that the range of </a:t>
+              <a:t>NEON mosquito data </a:t>
+            </a:r>
+            <a:r>
+              <a:rPr lang="en-US" sz="4800" b="1" dirty="0" smtClean="0">
+                <a:solidFill>
+                  <a:schemeClr val="accent2"/>
+                </a:solidFill>
+                <a:latin typeface="Arial"/>
+                <a:cs typeface="Arial"/>
+              </a:rPr>
+              <a:t>indicate </a:t>
+            </a:r>
+            <a:r>
+              <a:rPr lang="en-US" sz="4800" b="1" dirty="0" smtClean="0">
+                <a:solidFill>
+                  <a:schemeClr val="accent2"/>
+                </a:solidFill>
+                <a:latin typeface="Arial"/>
+                <a:cs typeface="Arial"/>
+              </a:rPr>
+              <a:t>that the range of </a:t>
             </a:r>
             <a:r>
               <a:rPr lang="en-US" sz="4800" b="1" i="1" dirty="0" err="1" smtClean="0">
@@ -5216,13 +5221,6 @@
               </a:rPr>
               <a:t>has expanded:</a:t>
             </a:r>
-            <a:endParaRPr lang="en-US" sz="4800" b="1" dirty="0" smtClean="0">
-              <a:solidFill>
-                <a:schemeClr val="accent2"/>
-              </a:solidFill>
-              <a:latin typeface="Arial"/>
-              <a:cs typeface="Arial"/>
-            </a:endParaRPr>
           </a:p>
           <a:p>
             <a:pPr marL="457200" indent="-457200">
@@ -5351,7 +5349,21 @@
                 <a:latin typeface="Arial"/>
                 <a:cs typeface="Arial"/>
               </a:rPr>
-              <a:t>was present (bottom) reveal that this species has been found in habitats further north from its typical range.</a:t>
+              <a:t>was present (bottom) reveal that this species has been found in </a:t>
+            </a:r>
+            <a:r>
+              <a:rPr lang="en-US" sz="3400" dirty="0" smtClean="0">
+                <a:latin typeface="Arial"/>
+                <a:cs typeface="Arial"/>
+              </a:rPr>
+              <a:t>Alaska, </a:t>
+            </a:r>
+            <a:r>
+              <a:rPr lang="en-US" sz="3400" dirty="0" smtClean="0">
+                <a:latin typeface="Arial"/>
+                <a:cs typeface="Arial"/>
+              </a:rPr>
+              <a:t>further north from its typical range.</a:t>
             </a:r>
           </a:p>
           <a:p>
@@ -5425,7 +5437,7 @@
             </a:r>
             <a:r>
               <a:rPr lang="en-US" sz="1800" b="1" dirty="0" smtClean="0"/>
-              <a:t>5. </a:t>
+              <a:t>4. </a:t>
             </a:r>
             <a:r>
               <a:rPr lang="en-US" sz="1800" dirty="0" smtClean="0"/>
@@ -5503,7 +5515,7 @@
             </a:r>
             <a:r>
               <a:rPr lang="en-US" sz="1800" b="1" dirty="0"/>
-              <a:t>6</a:t>
+              <a:t>5</a:t>
             </a:r>
             <a:r>
               <a:rPr lang="en-US" sz="1800" b="1" dirty="0" smtClean="0"/>
@@ -6495,29 +6507,6 @@
 </file>
 
 <file path=customXml/item1.xml><?xml version="1.0" encoding="utf-8"?>
-<p:properties xmlns:p="http://schemas.microsoft.com/office/2006/metadata/properties" xmlns:xsi="http://www.w3.org/2001/XMLSchema-instance" xmlns:pc="http://schemas.microsoft.com/office/infopath/2007/PartnerControls">
-  <documentManagement>
-    <Display_x0020_Category xmlns="eff24bd8-0971-442c-8d07-8938bacad241">Technical Poster Templates</Display_x0020_Category>
-    <Tips xmlns="eff24bd8-0971-442c-8d07-8938bacad241">24x36 (2x3) Horizontal Technical Poster Template
-Contact PMP for design assistance and printing</Tips>
-    <Thumbnail xmlns="eff24bd8-0971-442c-8d07-8938bacad241">
-      <Url>http://my.battelle.org/sites/1204/PublishingImages/24horiz.JPG</Url>
-      <Description xsi:nil="true"/>
-    </Thumbnail>
-  </documentManagement>
-</p:properties>
-</file>
-
-<file path=customXml/item2.xml><?xml version="1.0" encoding="utf-8"?>
-<?mso-contentType ?>
-<FormTemplates xmlns="http://schemas.microsoft.com/sharepoint/v3/contenttype/forms">
-  <Display>DocumentLibraryForm</Display>
-  <Edit>DocumentLibraryForm</Edit>
-  <New>DocumentLibraryForm</New>
-</FormTemplates>
-</file>
-
-<file path=customXml/item3.xml><?xml version="1.0" encoding="utf-8"?>
 <ct:contentTypeSchema xmlns:ct="http://schemas.microsoft.com/office/2006/metadata/contentType" xmlns:ma="http://schemas.microsoft.com/office/2006/metadata/properties/metaAttributes" ct:_="" ma:_="" ma:contentTypeName="Document" ma:contentTypeID="0x010100ED60A9A06E5FED44AC1CDEEE45A76310" ma:contentTypeVersion="4" ma:contentTypeDescription="Create a new document." ma:contentTypeScope="" ma:versionID="074ba561a83d5d4641addf53e66ba534">
   <xsd:schema xmlns:xsd="http://www.w3.org/2001/XMLSchema" xmlns:xs="http://www.w3.org/2001/XMLSchema" xmlns:p="http://schemas.microsoft.com/office/2006/metadata/properties" xmlns:ns1="eff24bd8-0971-442c-8d07-8938bacad241" targetNamespace="http://schemas.microsoft.com/office/2006/metadata/properties" ma:root="true" ma:fieldsID="b1ab2b088810cb506e54576bc1f030ea" ns1:_="">
     <xsd:import namespace="eff24bd8-0971-442c-8d07-8938bacad241"/>
@@ -6667,31 +6656,30 @@
 </ct:contentTypeSchema>
 </file>
 
-<file path=customXml/itemProps1.xml><?xml version="1.0" encoding="utf-8"?>
-<ds:datastoreItem xmlns:ds="http://schemas.openxmlformats.org/officeDocument/2006/customXml" ds:itemID="{9594DFF2-C628-43CC-A584-EA39B3AE16B2}">
-  <ds:schemaRefs>
-    <ds:schemaRef ds:uri="http://purl.org/dc/dcmitype/"/>
-    <ds:schemaRef ds:uri="http://purl.org/dc/elements/1.1/"/>
-    <ds:schemaRef ds:uri="http://schemas.microsoft.com/office/2006/documentManagement/types"/>
-    <ds:schemaRef ds:uri="http://schemas.microsoft.com/office/2006/metadata/properties"/>
-    <ds:schemaRef ds:uri="eff24bd8-0971-442c-8d07-8938bacad241"/>
-    <ds:schemaRef ds:uri="http://schemas.microsoft.com/office/infopath/2007/PartnerControls"/>
-    <ds:schemaRef ds:uri="http://www.w3.org/XML/1998/namespace"/>
-    <ds:schemaRef ds:uri="http://schemas.openxmlformats.org/package/2006/metadata/core-properties"/>
-    <ds:schemaRef ds:uri="http://purl.org/dc/terms/"/>
-  </ds:schemaRefs>
-</ds:datastoreItem>
+<file path=customXml/item2.xml><?xml version="1.0" encoding="utf-8"?>
+<?mso-contentType ?>
+<FormTemplates xmlns="http://schemas.microsoft.com/sharepoint/v3/contenttype/forms">
+  <Display>DocumentLibraryForm</Display>
+  <Edit>DocumentLibraryForm</Edit>
+  <New>DocumentLibraryForm</New>
+</FormTemplates>
 </file>
 
-<file path=customXml/itemProps2.xml><?xml version="1.0" encoding="utf-8"?>
-<ds:datastoreItem xmlns:ds="http://schemas.openxmlformats.org/officeDocument/2006/customXml" ds:itemID="{75DC5EB5-B726-44F2-A2F6-CC75636660BA}">
-  <ds:schemaRefs>
-    <ds:schemaRef ds:uri="http://schemas.microsoft.com/sharepoint/v3/contenttype/forms"/>
-  </ds:schemaRefs>
-</ds:datastoreItem>
+<file path=customXml/item3.xml><?xml version="1.0" encoding="utf-8"?>
+<p:properties xmlns:p="http://schemas.microsoft.com/office/2006/metadata/properties" xmlns:xsi="http://www.w3.org/2001/XMLSchema-instance" xmlns:pc="http://schemas.microsoft.com/office/infopath/2007/PartnerControls">
+  <documentManagement>
+    <Display_x0020_Category xmlns="eff24bd8-0971-442c-8d07-8938bacad241">Technical Poster Templates</Display_x0020_Category>
+    <Tips xmlns="eff24bd8-0971-442c-8d07-8938bacad241">24x36 (2x3) Horizontal Technical Poster Template
+Contact PMP for design assistance and printing</Tips>
+    <Thumbnail xmlns="eff24bd8-0971-442c-8d07-8938bacad241">
+      <Url>http://my.battelle.org/sites/1204/PublishingImages/24horiz.JPG</Url>
+      <Description xsi:nil="true"/>
+    </Thumbnail>
+  </documentManagement>
+</p:properties>
 </file>
 
-<file path=customXml/itemProps3.xml><?xml version="1.0" encoding="utf-8"?>
+<file path=customXml/itemProps1.xml><?xml version="1.0" encoding="utf-8"?>
 <ds:datastoreItem xmlns:ds="http://schemas.openxmlformats.org/officeDocument/2006/customXml" ds:itemID="{712FC097-1BC3-4843-854E-A0F26318B0F2}">
   <ds:schemaRefs>
     <ds:schemaRef ds:uri="http://schemas.microsoft.com/office/2006/metadata/contentType"/>
@@ -6707,4 +6695,28 @@
     <ds:schemaRef ds:uri="http://schemas.microsoft.com/internal/obd"/>
   </ds:schemaRefs>
 </ds:datastoreItem>
+</file>
+
+<file path=customXml/itemProps2.xml><?xml version="1.0" encoding="utf-8"?>
+<ds:datastoreItem xmlns:ds="http://schemas.openxmlformats.org/officeDocument/2006/customXml" ds:itemID="{75DC5EB5-B726-44F2-A2F6-CC75636660BA}">
+  <ds:schemaRefs>
+    <ds:schemaRef ds:uri="http://schemas.microsoft.com/sharepoint/v3/contenttype/forms"/>
+  </ds:schemaRefs>
+</ds:datastoreItem>
+</file>
+
+<file path=customXml/itemProps3.xml><?xml version="1.0" encoding="utf-8"?>
+<ds:datastoreItem xmlns:ds="http://schemas.openxmlformats.org/officeDocument/2006/customXml" ds:itemID="{9594DFF2-C628-43CC-A584-EA39B3AE16B2}">
+  <ds:schemaRefs>
+    <ds:schemaRef ds:uri="http://purl.org/dc/dcmitype/"/>
+    <ds:schemaRef ds:uri="http://purl.org/dc/elements/1.1/"/>
+    <ds:schemaRef ds:uri="http://schemas.microsoft.com/office/2006/documentManagement/types"/>
+    <ds:schemaRef ds:uri="http://schemas.microsoft.com/office/2006/metadata/properties"/>
+    <ds:schemaRef ds:uri="eff24bd8-0971-442c-8d07-8938bacad241"/>
+    <ds:schemaRef ds:uri="http://schemas.microsoft.com/office/infopath/2007/PartnerControls"/>
+    <ds:schemaRef ds:uri="http://www.w3.org/XML/1998/namespace"/>
+    <ds:schemaRef ds:uri="http://schemas.openxmlformats.org/package/2006/metadata/core-properties"/>
+    <ds:schemaRef ds:uri="http://purl.org/dc/terms/"/>
+  </ds:schemaRefs>
+</ds:datastoreItem>
 </file>